--- a/mallesh/figure16/fig14d.pptx
+++ b/mallesh/figure16/fig14d.pptx
@@ -2,12 +2,12 @@
 <file path=ppt/presentation.xml><?xml version="1.0" encoding="utf-8"?>
 <p:presentation xmlns:a="http://schemas.openxmlformats.org/drawingml/2006/main" xmlns:r="http://schemas.openxmlformats.org/officeDocument/2006/relationships" xmlns:p="http://schemas.openxmlformats.org/presentationml/2006/main" saveSubsetFonts="1">
   <p:sldMasterIdLst>
-    <p:sldMasterId id="2147483696" r:id="rId1"/>
+    <p:sldMasterId id="2147483708" r:id="rId1"/>
   </p:sldMasterIdLst>
   <p:sldIdLst>
     <p:sldId id="256" r:id="rId2"/>
   </p:sldIdLst>
-  <p:sldSz cx="1554163" cy="1189038"/>
+  <p:sldSz cx="1279525" cy="1189038"/>
   <p:notesSz cx="6858000" cy="9144000"/>
   <p:defaultTextStyle>
     <a:defPPr>
@@ -141,15 +141,15 @@
         </p:nvSpPr>
         <p:spPr>
           <a:xfrm>
-            <a:off x="116562" y="194595"/>
-            <a:ext cx="1321039" cy="413961"/>
+            <a:off x="95965" y="194595"/>
+            <a:ext cx="1087596" cy="413961"/>
           </a:xfrm>
         </p:spPr>
         <p:txBody>
           <a:bodyPr anchor="b"/>
           <a:lstStyle>
             <a:lvl1pPr algn="ctr">
-              <a:defRPr sz="1020"/>
+              <a:defRPr sz="839"/>
             </a:lvl1pPr>
           </a:lstStyle>
           <a:p>
@@ -173,8 +173,8 @@
         </p:nvSpPr>
         <p:spPr>
           <a:xfrm>
-            <a:off x="194271" y="624520"/>
-            <a:ext cx="1165622" cy="287076"/>
+            <a:off x="159941" y="624520"/>
+            <a:ext cx="959644" cy="287076"/>
           </a:xfrm>
         </p:spPr>
         <p:txBody>
@@ -182,39 +182,39 @@
           <a:lstStyle>
             <a:lvl1pPr marL="0" indent="0" algn="ctr">
               <a:buNone/>
-              <a:defRPr sz="408"/>
+              <a:defRPr sz="336"/>
             </a:lvl1pPr>
-            <a:lvl2pPr marL="77724" indent="0" algn="ctr">
-              <a:buNone/>
-              <a:defRPr sz="340"/>
+            <a:lvl2pPr marL="63962" indent="0" algn="ctr">
+              <a:buNone/>
+              <a:defRPr sz="280"/>
             </a:lvl2pPr>
-            <a:lvl3pPr marL="155448" indent="0" algn="ctr">
-              <a:buNone/>
-              <a:defRPr sz="306"/>
+            <a:lvl3pPr marL="127925" indent="0" algn="ctr">
+              <a:buNone/>
+              <a:defRPr sz="252"/>
             </a:lvl3pPr>
-            <a:lvl4pPr marL="233172" indent="0" algn="ctr">
-              <a:buNone/>
-              <a:defRPr sz="272"/>
+            <a:lvl4pPr marL="191887" indent="0" algn="ctr">
+              <a:buNone/>
+              <a:defRPr sz="224"/>
             </a:lvl4pPr>
-            <a:lvl5pPr marL="310896" indent="0" algn="ctr">
-              <a:buNone/>
-              <a:defRPr sz="272"/>
+            <a:lvl5pPr marL="255849" indent="0" algn="ctr">
+              <a:buNone/>
+              <a:defRPr sz="224"/>
             </a:lvl5pPr>
-            <a:lvl6pPr marL="388620" indent="0" algn="ctr">
-              <a:buNone/>
-              <a:defRPr sz="272"/>
+            <a:lvl6pPr marL="319811" indent="0" algn="ctr">
+              <a:buNone/>
+              <a:defRPr sz="224"/>
             </a:lvl6pPr>
-            <a:lvl7pPr marL="466344" indent="0" algn="ctr">
-              <a:buNone/>
-              <a:defRPr sz="272"/>
+            <a:lvl7pPr marL="383774" indent="0" algn="ctr">
+              <a:buNone/>
+              <a:defRPr sz="224"/>
             </a:lvl7pPr>
-            <a:lvl8pPr marL="544068" indent="0" algn="ctr">
-              <a:buNone/>
-              <a:defRPr sz="272"/>
+            <a:lvl8pPr marL="447736" indent="0" algn="ctr">
+              <a:buNone/>
+              <a:defRPr sz="224"/>
             </a:lvl8pPr>
-            <a:lvl9pPr marL="621792" indent="0" algn="ctr">
-              <a:buNone/>
-              <a:defRPr sz="272"/>
+            <a:lvl9pPr marL="511698" indent="0" algn="ctr">
+              <a:buNone/>
+              <a:defRPr sz="224"/>
             </a:lvl9pPr>
           </a:lstStyle>
           <a:p>
@@ -493,8 +493,8 @@
         </p:nvSpPr>
         <p:spPr>
           <a:xfrm>
-            <a:off x="1112198" y="63305"/>
-            <a:ext cx="335116" cy="1007655"/>
+            <a:off x="915660" y="63305"/>
+            <a:ext cx="275898" cy="1007655"/>
           </a:xfrm>
         </p:spPr>
         <p:txBody>
@@ -521,8 +521,8 @@
         </p:nvSpPr>
         <p:spPr>
           <a:xfrm>
-            <a:off x="106849" y="63305"/>
-            <a:ext cx="985922" cy="1007655"/>
+            <a:off x="87967" y="63305"/>
+            <a:ext cx="811699" cy="1007655"/>
           </a:xfrm>
         </p:spPr>
         <p:txBody>
@@ -833,15 +833,15 @@
         </p:nvSpPr>
         <p:spPr>
           <a:xfrm>
-            <a:off x="106039" y="296434"/>
-            <a:ext cx="1340466" cy="494607"/>
+            <a:off x="87301" y="296434"/>
+            <a:ext cx="1103590" cy="494607"/>
           </a:xfrm>
         </p:spPr>
         <p:txBody>
           <a:bodyPr anchor="b"/>
           <a:lstStyle>
             <a:lvl1pPr>
-              <a:defRPr sz="1020"/>
+              <a:defRPr sz="839"/>
             </a:lvl1pPr>
           </a:lstStyle>
           <a:p>
@@ -865,8 +865,8 @@
         </p:nvSpPr>
         <p:spPr>
           <a:xfrm>
-            <a:off x="106039" y="795720"/>
-            <a:ext cx="1340466" cy="260102"/>
+            <a:off x="87301" y="795720"/>
+            <a:ext cx="1103590" cy="260102"/>
           </a:xfrm>
         </p:spPr>
         <p:txBody>
@@ -874,15 +874,15 @@
           <a:lstStyle>
             <a:lvl1pPr marL="0" indent="0">
               <a:buNone/>
-              <a:defRPr sz="408">
+              <a:defRPr sz="336">
                 <a:solidFill>
                   <a:schemeClr val="tx1"/>
                 </a:solidFill>
               </a:defRPr>
             </a:lvl1pPr>
-            <a:lvl2pPr marL="77724" indent="0">
-              <a:buNone/>
-              <a:defRPr sz="340">
+            <a:lvl2pPr marL="63962" indent="0">
+              <a:buNone/>
+              <a:defRPr sz="280">
                 <a:solidFill>
                   <a:schemeClr val="tx1">
                     <a:tint val="75000"/>
@@ -890,9 +890,9 @@
                 </a:solidFill>
               </a:defRPr>
             </a:lvl2pPr>
-            <a:lvl3pPr marL="155448" indent="0">
-              <a:buNone/>
-              <a:defRPr sz="306">
+            <a:lvl3pPr marL="127925" indent="0">
+              <a:buNone/>
+              <a:defRPr sz="252">
                 <a:solidFill>
                   <a:schemeClr val="tx1">
                     <a:tint val="75000"/>
@@ -900,9 +900,9 @@
                 </a:solidFill>
               </a:defRPr>
             </a:lvl3pPr>
-            <a:lvl4pPr marL="233172" indent="0">
-              <a:buNone/>
-              <a:defRPr sz="272">
+            <a:lvl4pPr marL="191887" indent="0">
+              <a:buNone/>
+              <a:defRPr sz="224">
                 <a:solidFill>
                   <a:schemeClr val="tx1">
                     <a:tint val="75000"/>
@@ -910,9 +910,9 @@
                 </a:solidFill>
               </a:defRPr>
             </a:lvl4pPr>
-            <a:lvl5pPr marL="310896" indent="0">
-              <a:buNone/>
-              <a:defRPr sz="272">
+            <a:lvl5pPr marL="255849" indent="0">
+              <a:buNone/>
+              <a:defRPr sz="224">
                 <a:solidFill>
                   <a:schemeClr val="tx1">
                     <a:tint val="75000"/>
@@ -920,9 +920,9 @@
                 </a:solidFill>
               </a:defRPr>
             </a:lvl5pPr>
-            <a:lvl6pPr marL="388620" indent="0">
-              <a:buNone/>
-              <a:defRPr sz="272">
+            <a:lvl6pPr marL="319811" indent="0">
+              <a:buNone/>
+              <a:defRPr sz="224">
                 <a:solidFill>
                   <a:schemeClr val="tx1">
                     <a:tint val="75000"/>
@@ -930,9 +930,9 @@
                 </a:solidFill>
               </a:defRPr>
             </a:lvl6pPr>
-            <a:lvl7pPr marL="466344" indent="0">
-              <a:buNone/>
-              <a:defRPr sz="272">
+            <a:lvl7pPr marL="383774" indent="0">
+              <a:buNone/>
+              <a:defRPr sz="224">
                 <a:solidFill>
                   <a:schemeClr val="tx1">
                     <a:tint val="75000"/>
@@ -940,9 +940,9 @@
                 </a:solidFill>
               </a:defRPr>
             </a:lvl7pPr>
-            <a:lvl8pPr marL="544068" indent="0">
-              <a:buNone/>
-              <a:defRPr sz="272">
+            <a:lvl8pPr marL="447736" indent="0">
+              <a:buNone/>
+              <a:defRPr sz="224">
                 <a:solidFill>
                   <a:schemeClr val="tx1">
                     <a:tint val="75000"/>
@@ -950,9 +950,9 @@
                 </a:solidFill>
               </a:defRPr>
             </a:lvl8pPr>
-            <a:lvl9pPr marL="621792" indent="0">
-              <a:buNone/>
-              <a:defRPr sz="272">
+            <a:lvl9pPr marL="511698" indent="0">
+              <a:buNone/>
+              <a:defRPr sz="224">
                 <a:solidFill>
                   <a:schemeClr val="tx1">
                     <a:tint val="75000"/>
@@ -1095,8 +1095,8 @@
         </p:nvSpPr>
         <p:spPr>
           <a:xfrm>
-            <a:off x="106849" y="316526"/>
-            <a:ext cx="660519" cy="754434"/>
+            <a:off x="87967" y="316526"/>
+            <a:ext cx="543798" cy="754434"/>
           </a:xfrm>
         </p:spPr>
         <p:txBody>
@@ -1152,8 +1152,8 @@
         </p:nvSpPr>
         <p:spPr>
           <a:xfrm>
-            <a:off x="786795" y="316526"/>
-            <a:ext cx="660519" cy="754434"/>
+            <a:off x="647760" y="316526"/>
+            <a:ext cx="543798" cy="754434"/>
           </a:xfrm>
         </p:spPr>
         <p:txBody>
@@ -1299,8 +1299,8 @@
         </p:nvSpPr>
         <p:spPr>
           <a:xfrm>
-            <a:off x="107051" y="63305"/>
-            <a:ext cx="1340466" cy="229826"/>
+            <a:off x="88134" y="63305"/>
+            <a:ext cx="1103590" cy="229826"/>
           </a:xfrm>
         </p:spPr>
         <p:txBody>
@@ -1327,8 +1327,8 @@
         </p:nvSpPr>
         <p:spPr>
           <a:xfrm>
-            <a:off x="107051" y="291479"/>
-            <a:ext cx="657484" cy="142850"/>
+            <a:off x="88134" y="291479"/>
+            <a:ext cx="541299" cy="142850"/>
           </a:xfrm>
         </p:spPr>
         <p:txBody>
@@ -1336,39 +1336,39 @@
           <a:lstStyle>
             <a:lvl1pPr marL="0" indent="0">
               <a:buNone/>
-              <a:defRPr sz="408" b="1"/>
+              <a:defRPr sz="336" b="1"/>
             </a:lvl1pPr>
-            <a:lvl2pPr marL="77724" indent="0">
-              <a:buNone/>
-              <a:defRPr sz="340" b="1"/>
+            <a:lvl2pPr marL="63962" indent="0">
+              <a:buNone/>
+              <a:defRPr sz="280" b="1"/>
             </a:lvl2pPr>
-            <a:lvl3pPr marL="155448" indent="0">
-              <a:buNone/>
-              <a:defRPr sz="306" b="1"/>
+            <a:lvl3pPr marL="127925" indent="0">
+              <a:buNone/>
+              <a:defRPr sz="252" b="1"/>
             </a:lvl3pPr>
-            <a:lvl4pPr marL="233172" indent="0">
-              <a:buNone/>
-              <a:defRPr sz="272" b="1"/>
+            <a:lvl4pPr marL="191887" indent="0">
+              <a:buNone/>
+              <a:defRPr sz="224" b="1"/>
             </a:lvl4pPr>
-            <a:lvl5pPr marL="310896" indent="0">
-              <a:buNone/>
-              <a:defRPr sz="272" b="1"/>
+            <a:lvl5pPr marL="255849" indent="0">
+              <a:buNone/>
+              <a:defRPr sz="224" b="1"/>
             </a:lvl5pPr>
-            <a:lvl6pPr marL="388620" indent="0">
-              <a:buNone/>
-              <a:defRPr sz="272" b="1"/>
+            <a:lvl6pPr marL="319811" indent="0">
+              <a:buNone/>
+              <a:defRPr sz="224" b="1"/>
             </a:lvl6pPr>
-            <a:lvl7pPr marL="466344" indent="0">
-              <a:buNone/>
-              <a:defRPr sz="272" b="1"/>
+            <a:lvl7pPr marL="383774" indent="0">
+              <a:buNone/>
+              <a:defRPr sz="224" b="1"/>
             </a:lvl7pPr>
-            <a:lvl8pPr marL="544068" indent="0">
-              <a:buNone/>
-              <a:defRPr sz="272" b="1"/>
+            <a:lvl8pPr marL="447736" indent="0">
+              <a:buNone/>
+              <a:defRPr sz="224" b="1"/>
             </a:lvl8pPr>
-            <a:lvl9pPr marL="621792" indent="0">
-              <a:buNone/>
-              <a:defRPr sz="272" b="1"/>
+            <a:lvl9pPr marL="511698" indent="0">
+              <a:buNone/>
+              <a:defRPr sz="224" b="1"/>
             </a:lvl9pPr>
           </a:lstStyle>
           <a:p>
@@ -1392,8 +1392,8 @@
         </p:nvSpPr>
         <p:spPr>
           <a:xfrm>
-            <a:off x="107051" y="434329"/>
-            <a:ext cx="657484" cy="638833"/>
+            <a:off x="88134" y="434329"/>
+            <a:ext cx="541299" cy="638833"/>
           </a:xfrm>
         </p:spPr>
         <p:txBody>
@@ -1449,8 +1449,8 @@
         </p:nvSpPr>
         <p:spPr>
           <a:xfrm>
-            <a:off x="786795" y="291479"/>
-            <a:ext cx="660722" cy="142850"/>
+            <a:off x="647759" y="291479"/>
+            <a:ext cx="543965" cy="142850"/>
           </a:xfrm>
         </p:spPr>
         <p:txBody>
@@ -1458,39 +1458,39 @@
           <a:lstStyle>
             <a:lvl1pPr marL="0" indent="0">
               <a:buNone/>
-              <a:defRPr sz="408" b="1"/>
+              <a:defRPr sz="336" b="1"/>
             </a:lvl1pPr>
-            <a:lvl2pPr marL="77724" indent="0">
-              <a:buNone/>
-              <a:defRPr sz="340" b="1"/>
+            <a:lvl2pPr marL="63962" indent="0">
+              <a:buNone/>
+              <a:defRPr sz="280" b="1"/>
             </a:lvl2pPr>
-            <a:lvl3pPr marL="155448" indent="0">
-              <a:buNone/>
-              <a:defRPr sz="306" b="1"/>
+            <a:lvl3pPr marL="127925" indent="0">
+              <a:buNone/>
+              <a:defRPr sz="252" b="1"/>
             </a:lvl3pPr>
-            <a:lvl4pPr marL="233172" indent="0">
-              <a:buNone/>
-              <a:defRPr sz="272" b="1"/>
+            <a:lvl4pPr marL="191887" indent="0">
+              <a:buNone/>
+              <a:defRPr sz="224" b="1"/>
             </a:lvl4pPr>
-            <a:lvl5pPr marL="310896" indent="0">
-              <a:buNone/>
-              <a:defRPr sz="272" b="1"/>
+            <a:lvl5pPr marL="255849" indent="0">
+              <a:buNone/>
+              <a:defRPr sz="224" b="1"/>
             </a:lvl5pPr>
-            <a:lvl6pPr marL="388620" indent="0">
-              <a:buNone/>
-              <a:defRPr sz="272" b="1"/>
+            <a:lvl6pPr marL="319811" indent="0">
+              <a:buNone/>
+              <a:defRPr sz="224" b="1"/>
             </a:lvl6pPr>
-            <a:lvl7pPr marL="466344" indent="0">
-              <a:buNone/>
-              <a:defRPr sz="272" b="1"/>
+            <a:lvl7pPr marL="383774" indent="0">
+              <a:buNone/>
+              <a:defRPr sz="224" b="1"/>
             </a:lvl7pPr>
-            <a:lvl8pPr marL="544068" indent="0">
-              <a:buNone/>
-              <a:defRPr sz="272" b="1"/>
+            <a:lvl8pPr marL="447736" indent="0">
+              <a:buNone/>
+              <a:defRPr sz="224" b="1"/>
             </a:lvl8pPr>
-            <a:lvl9pPr marL="621792" indent="0">
-              <a:buNone/>
-              <a:defRPr sz="272" b="1"/>
+            <a:lvl9pPr marL="511698" indent="0">
+              <a:buNone/>
+              <a:defRPr sz="224" b="1"/>
             </a:lvl9pPr>
           </a:lstStyle>
           <a:p>
@@ -1514,8 +1514,8 @@
         </p:nvSpPr>
         <p:spPr>
           <a:xfrm>
-            <a:off x="786795" y="434329"/>
-            <a:ext cx="660722" cy="638833"/>
+            <a:off x="647759" y="434329"/>
+            <a:ext cx="543965" cy="638833"/>
           </a:xfrm>
         </p:spPr>
         <p:txBody>
@@ -1864,15 +1864,15 @@
         </p:nvSpPr>
         <p:spPr>
           <a:xfrm>
-            <a:off x="107051" y="79269"/>
-            <a:ext cx="501258" cy="277442"/>
+            <a:off x="88134" y="79269"/>
+            <a:ext cx="412680" cy="277442"/>
           </a:xfrm>
         </p:spPr>
         <p:txBody>
           <a:bodyPr anchor="b"/>
           <a:lstStyle>
             <a:lvl1pPr>
-              <a:defRPr sz="544"/>
+              <a:defRPr sz="448"/>
             </a:lvl1pPr>
           </a:lstStyle>
           <a:p>
@@ -1896,39 +1896,39 @@
         </p:nvSpPr>
         <p:spPr>
           <a:xfrm>
-            <a:off x="660722" y="171200"/>
-            <a:ext cx="786795" cy="844988"/>
+            <a:off x="543965" y="171200"/>
+            <a:ext cx="647760" cy="844988"/>
           </a:xfrm>
         </p:spPr>
         <p:txBody>
           <a:bodyPr/>
           <a:lstStyle>
             <a:lvl1pPr>
-              <a:defRPr sz="544"/>
+              <a:defRPr sz="448"/>
             </a:lvl1pPr>
             <a:lvl2pPr>
-              <a:defRPr sz="476"/>
+              <a:defRPr sz="392"/>
             </a:lvl2pPr>
             <a:lvl3pPr>
-              <a:defRPr sz="408"/>
+              <a:defRPr sz="336"/>
             </a:lvl3pPr>
             <a:lvl4pPr>
-              <a:defRPr sz="340"/>
+              <a:defRPr sz="280"/>
             </a:lvl4pPr>
             <a:lvl5pPr>
-              <a:defRPr sz="340"/>
+              <a:defRPr sz="280"/>
             </a:lvl5pPr>
             <a:lvl6pPr>
-              <a:defRPr sz="340"/>
+              <a:defRPr sz="280"/>
             </a:lvl6pPr>
             <a:lvl7pPr>
-              <a:defRPr sz="340"/>
+              <a:defRPr sz="280"/>
             </a:lvl7pPr>
             <a:lvl8pPr>
-              <a:defRPr sz="340"/>
+              <a:defRPr sz="280"/>
             </a:lvl8pPr>
             <a:lvl9pPr>
-              <a:defRPr sz="340"/>
+              <a:defRPr sz="280"/>
             </a:lvl9pPr>
           </a:lstStyle>
           <a:p>
@@ -1981,8 +1981,8 @@
         </p:nvSpPr>
         <p:spPr>
           <a:xfrm>
-            <a:off x="107051" y="356711"/>
-            <a:ext cx="501258" cy="660852"/>
+            <a:off x="88134" y="356711"/>
+            <a:ext cx="412680" cy="660852"/>
           </a:xfrm>
         </p:spPr>
         <p:txBody>
@@ -1990,39 +1990,39 @@
           <a:lstStyle>
             <a:lvl1pPr marL="0" indent="0">
               <a:buNone/>
-              <a:defRPr sz="272"/>
+              <a:defRPr sz="224"/>
             </a:lvl1pPr>
-            <a:lvl2pPr marL="77724" indent="0">
-              <a:buNone/>
-              <a:defRPr sz="238"/>
+            <a:lvl2pPr marL="63962" indent="0">
+              <a:buNone/>
+              <a:defRPr sz="196"/>
             </a:lvl2pPr>
-            <a:lvl3pPr marL="155448" indent="0">
-              <a:buNone/>
-              <a:defRPr sz="204"/>
+            <a:lvl3pPr marL="127925" indent="0">
+              <a:buNone/>
+              <a:defRPr sz="168"/>
             </a:lvl3pPr>
-            <a:lvl4pPr marL="233172" indent="0">
-              <a:buNone/>
-              <a:defRPr sz="170"/>
+            <a:lvl4pPr marL="191887" indent="0">
+              <a:buNone/>
+              <a:defRPr sz="140"/>
             </a:lvl4pPr>
-            <a:lvl5pPr marL="310896" indent="0">
-              <a:buNone/>
-              <a:defRPr sz="170"/>
+            <a:lvl5pPr marL="255849" indent="0">
+              <a:buNone/>
+              <a:defRPr sz="140"/>
             </a:lvl5pPr>
-            <a:lvl6pPr marL="388620" indent="0">
-              <a:buNone/>
-              <a:defRPr sz="170"/>
+            <a:lvl6pPr marL="319811" indent="0">
+              <a:buNone/>
+              <a:defRPr sz="140"/>
             </a:lvl6pPr>
-            <a:lvl7pPr marL="466344" indent="0">
-              <a:buNone/>
-              <a:defRPr sz="170"/>
+            <a:lvl7pPr marL="383774" indent="0">
+              <a:buNone/>
+              <a:defRPr sz="140"/>
             </a:lvl7pPr>
-            <a:lvl8pPr marL="544068" indent="0">
-              <a:buNone/>
-              <a:defRPr sz="170"/>
+            <a:lvl8pPr marL="447736" indent="0">
+              <a:buNone/>
+              <a:defRPr sz="140"/>
             </a:lvl8pPr>
-            <a:lvl9pPr marL="621792" indent="0">
-              <a:buNone/>
-              <a:defRPr sz="170"/>
+            <a:lvl9pPr marL="511698" indent="0">
+              <a:buNone/>
+              <a:defRPr sz="140"/>
             </a:lvl9pPr>
           </a:lstStyle>
           <a:p>
@@ -2136,15 +2136,15 @@
         </p:nvSpPr>
         <p:spPr>
           <a:xfrm>
-            <a:off x="107051" y="79269"/>
-            <a:ext cx="501258" cy="277442"/>
+            <a:off x="88134" y="79269"/>
+            <a:ext cx="412680" cy="277442"/>
           </a:xfrm>
         </p:spPr>
         <p:txBody>
           <a:bodyPr anchor="b"/>
           <a:lstStyle>
             <a:lvl1pPr>
-              <a:defRPr sz="544"/>
+              <a:defRPr sz="448"/>
             </a:lvl1pPr>
           </a:lstStyle>
           <a:p>
@@ -2168,8 +2168,8 @@
         </p:nvSpPr>
         <p:spPr>
           <a:xfrm>
-            <a:off x="660722" y="171200"/>
-            <a:ext cx="786795" cy="844988"/>
+            <a:off x="543965" y="171200"/>
+            <a:ext cx="647760" cy="844988"/>
           </a:xfrm>
         </p:spPr>
         <p:txBody>
@@ -2177,39 +2177,39 @@
           <a:lstStyle>
             <a:lvl1pPr marL="0" indent="0">
               <a:buNone/>
-              <a:defRPr sz="544"/>
+              <a:defRPr sz="448"/>
             </a:lvl1pPr>
-            <a:lvl2pPr marL="77724" indent="0">
-              <a:buNone/>
-              <a:defRPr sz="476"/>
+            <a:lvl2pPr marL="63962" indent="0">
+              <a:buNone/>
+              <a:defRPr sz="392"/>
             </a:lvl2pPr>
-            <a:lvl3pPr marL="155448" indent="0">
-              <a:buNone/>
-              <a:defRPr sz="408"/>
+            <a:lvl3pPr marL="127925" indent="0">
+              <a:buNone/>
+              <a:defRPr sz="336"/>
             </a:lvl3pPr>
-            <a:lvl4pPr marL="233172" indent="0">
-              <a:buNone/>
-              <a:defRPr sz="340"/>
+            <a:lvl4pPr marL="191887" indent="0">
+              <a:buNone/>
+              <a:defRPr sz="280"/>
             </a:lvl4pPr>
-            <a:lvl5pPr marL="310896" indent="0">
-              <a:buNone/>
-              <a:defRPr sz="340"/>
+            <a:lvl5pPr marL="255849" indent="0">
+              <a:buNone/>
+              <a:defRPr sz="280"/>
             </a:lvl5pPr>
-            <a:lvl6pPr marL="388620" indent="0">
-              <a:buNone/>
-              <a:defRPr sz="340"/>
+            <a:lvl6pPr marL="319811" indent="0">
+              <a:buNone/>
+              <a:defRPr sz="280"/>
             </a:lvl6pPr>
-            <a:lvl7pPr marL="466344" indent="0">
-              <a:buNone/>
-              <a:defRPr sz="340"/>
+            <a:lvl7pPr marL="383774" indent="0">
+              <a:buNone/>
+              <a:defRPr sz="280"/>
             </a:lvl7pPr>
-            <a:lvl8pPr marL="544068" indent="0">
-              <a:buNone/>
-              <a:defRPr sz="340"/>
+            <a:lvl8pPr marL="447736" indent="0">
+              <a:buNone/>
+              <a:defRPr sz="280"/>
             </a:lvl8pPr>
-            <a:lvl9pPr marL="621792" indent="0">
-              <a:buNone/>
-              <a:defRPr sz="340"/>
+            <a:lvl9pPr marL="511698" indent="0">
+              <a:buNone/>
+              <a:defRPr sz="280"/>
             </a:lvl9pPr>
           </a:lstStyle>
           <a:p>
@@ -2233,8 +2233,8 @@
         </p:nvSpPr>
         <p:spPr>
           <a:xfrm>
-            <a:off x="107051" y="356711"/>
-            <a:ext cx="501258" cy="660852"/>
+            <a:off x="88134" y="356711"/>
+            <a:ext cx="412680" cy="660852"/>
           </a:xfrm>
         </p:spPr>
         <p:txBody>
@@ -2242,39 +2242,39 @@
           <a:lstStyle>
             <a:lvl1pPr marL="0" indent="0">
               <a:buNone/>
-              <a:defRPr sz="272"/>
+              <a:defRPr sz="224"/>
             </a:lvl1pPr>
-            <a:lvl2pPr marL="77724" indent="0">
-              <a:buNone/>
-              <a:defRPr sz="238"/>
+            <a:lvl2pPr marL="63962" indent="0">
+              <a:buNone/>
+              <a:defRPr sz="196"/>
             </a:lvl2pPr>
-            <a:lvl3pPr marL="155448" indent="0">
-              <a:buNone/>
-              <a:defRPr sz="204"/>
+            <a:lvl3pPr marL="127925" indent="0">
+              <a:buNone/>
+              <a:defRPr sz="168"/>
             </a:lvl3pPr>
-            <a:lvl4pPr marL="233172" indent="0">
-              <a:buNone/>
-              <a:defRPr sz="170"/>
+            <a:lvl4pPr marL="191887" indent="0">
+              <a:buNone/>
+              <a:defRPr sz="140"/>
             </a:lvl4pPr>
-            <a:lvl5pPr marL="310896" indent="0">
-              <a:buNone/>
-              <a:defRPr sz="170"/>
+            <a:lvl5pPr marL="255849" indent="0">
+              <a:buNone/>
+              <a:defRPr sz="140"/>
             </a:lvl5pPr>
-            <a:lvl6pPr marL="388620" indent="0">
-              <a:buNone/>
-              <a:defRPr sz="170"/>
+            <a:lvl6pPr marL="319811" indent="0">
+              <a:buNone/>
+              <a:defRPr sz="140"/>
             </a:lvl6pPr>
-            <a:lvl7pPr marL="466344" indent="0">
-              <a:buNone/>
-              <a:defRPr sz="170"/>
+            <a:lvl7pPr marL="383774" indent="0">
+              <a:buNone/>
+              <a:defRPr sz="140"/>
             </a:lvl7pPr>
-            <a:lvl8pPr marL="544068" indent="0">
-              <a:buNone/>
-              <a:defRPr sz="170"/>
+            <a:lvl8pPr marL="447736" indent="0">
+              <a:buNone/>
+              <a:defRPr sz="140"/>
             </a:lvl8pPr>
-            <a:lvl9pPr marL="621792" indent="0">
-              <a:buNone/>
-              <a:defRPr sz="170"/>
+            <a:lvl9pPr marL="511698" indent="0">
+              <a:buNone/>
+              <a:defRPr sz="140"/>
             </a:lvl9pPr>
           </a:lstStyle>
           <a:p>
@@ -2393,8 +2393,8 @@
         </p:nvSpPr>
         <p:spPr>
           <a:xfrm>
-            <a:off x="106849" y="63305"/>
-            <a:ext cx="1340466" cy="229826"/>
+            <a:off x="87968" y="63305"/>
+            <a:ext cx="1103590" cy="229826"/>
           </a:xfrm>
           <a:prstGeom prst="rect">
             <a:avLst/>
@@ -2426,8 +2426,8 @@
         </p:nvSpPr>
         <p:spPr>
           <a:xfrm>
-            <a:off x="106849" y="316526"/>
-            <a:ext cx="1340466" cy="754434"/>
+            <a:off x="87968" y="316526"/>
+            <a:ext cx="1103590" cy="754434"/>
           </a:xfrm>
           <a:prstGeom prst="rect">
             <a:avLst/>
@@ -2488,8 +2488,8 @@
         </p:nvSpPr>
         <p:spPr>
           <a:xfrm>
-            <a:off x="106849" y="1102062"/>
-            <a:ext cx="349687" cy="63305"/>
+            <a:off x="87967" y="1102062"/>
+            <a:ext cx="287893" cy="63305"/>
           </a:xfrm>
           <a:prstGeom prst="rect">
             <a:avLst/>
@@ -2499,7 +2499,7 @@
           <a:bodyPr vert="horz" lIns="91440" tIns="45720" rIns="91440" bIns="45720" rtlCol="0" anchor="ctr"/>
           <a:lstStyle>
             <a:lvl1pPr algn="l">
-              <a:defRPr sz="204">
+              <a:defRPr sz="168">
                 <a:solidFill>
                   <a:schemeClr val="tx1">
                     <a:tint val="75000"/>
@@ -2529,8 +2529,8 @@
         </p:nvSpPr>
         <p:spPr>
           <a:xfrm>
-            <a:off x="514817" y="1102062"/>
-            <a:ext cx="524530" cy="63305"/>
+            <a:off x="423843" y="1102062"/>
+            <a:ext cx="431840" cy="63305"/>
           </a:xfrm>
           <a:prstGeom prst="rect">
             <a:avLst/>
@@ -2540,7 +2540,7 @@
           <a:bodyPr vert="horz" lIns="91440" tIns="45720" rIns="91440" bIns="45720" rtlCol="0" anchor="ctr"/>
           <a:lstStyle>
             <a:lvl1pPr algn="ctr">
-              <a:defRPr sz="204">
+              <a:defRPr sz="168">
                 <a:solidFill>
                   <a:schemeClr val="tx1">
                     <a:tint val="75000"/>
@@ -2566,8 +2566,8 @@
         </p:nvSpPr>
         <p:spPr>
           <a:xfrm>
-            <a:off x="1097627" y="1102062"/>
-            <a:ext cx="349687" cy="63305"/>
+            <a:off x="903665" y="1102062"/>
+            <a:ext cx="287893" cy="63305"/>
           </a:xfrm>
           <a:prstGeom prst="rect">
             <a:avLst/>
@@ -2577,7 +2577,7 @@
           <a:bodyPr vert="horz" lIns="91440" tIns="45720" rIns="91440" bIns="45720" rtlCol="0" anchor="ctr"/>
           <a:lstStyle>
             <a:lvl1pPr algn="r">
-              <a:defRPr sz="204">
+              <a:defRPr sz="168">
                 <a:solidFill>
                   <a:schemeClr val="tx1">
                     <a:tint val="75000"/>
@@ -2598,27 +2598,27 @@
     </p:spTree>
     <p:extLst>
       <p:ext uri="{BB962C8B-B14F-4D97-AF65-F5344CB8AC3E}">
-        <p14:creationId xmlns:p14="http://schemas.microsoft.com/office/powerpoint/2010/main" val="1809699717"/>
+        <p14:creationId xmlns:p14="http://schemas.microsoft.com/office/powerpoint/2010/main" val="1322332053"/>
       </p:ext>
     </p:extLst>
   </p:cSld>
   <p:clrMap bg1="lt1" tx1="dk1" bg2="lt2" tx2="dk2" accent1="accent1" accent2="accent2" accent3="accent3" accent4="accent4" accent5="accent5" accent6="accent6" hlink="hlink" folHlink="folHlink"/>
   <p:sldLayoutIdLst>
-    <p:sldLayoutId id="2147483697" r:id="rId1"/>
-    <p:sldLayoutId id="2147483698" r:id="rId2"/>
-    <p:sldLayoutId id="2147483699" r:id="rId3"/>
-    <p:sldLayoutId id="2147483700" r:id="rId4"/>
-    <p:sldLayoutId id="2147483701" r:id="rId5"/>
-    <p:sldLayoutId id="2147483702" r:id="rId6"/>
-    <p:sldLayoutId id="2147483703" r:id="rId7"/>
-    <p:sldLayoutId id="2147483704" r:id="rId8"/>
-    <p:sldLayoutId id="2147483705" r:id="rId9"/>
-    <p:sldLayoutId id="2147483706" r:id="rId10"/>
-    <p:sldLayoutId id="2147483707" r:id="rId11"/>
+    <p:sldLayoutId id="2147483709" r:id="rId1"/>
+    <p:sldLayoutId id="2147483710" r:id="rId2"/>
+    <p:sldLayoutId id="2147483711" r:id="rId3"/>
+    <p:sldLayoutId id="2147483712" r:id="rId4"/>
+    <p:sldLayoutId id="2147483713" r:id="rId5"/>
+    <p:sldLayoutId id="2147483714" r:id="rId6"/>
+    <p:sldLayoutId id="2147483715" r:id="rId7"/>
+    <p:sldLayoutId id="2147483716" r:id="rId8"/>
+    <p:sldLayoutId id="2147483717" r:id="rId9"/>
+    <p:sldLayoutId id="2147483718" r:id="rId10"/>
+    <p:sldLayoutId id="2147483719" r:id="rId11"/>
   </p:sldLayoutIdLst>
   <p:txStyles>
     <p:titleStyle>
-      <a:lvl1pPr algn="l" defTabSz="155448" rtl="0" eaLnBrk="1" latinLnBrk="0" hangingPunct="1">
+      <a:lvl1pPr algn="l" defTabSz="127925" rtl="0" eaLnBrk="1" latinLnBrk="0" hangingPunct="1">
         <a:lnSpc>
           <a:spcPct val="90000"/>
         </a:lnSpc>
@@ -2626,7 +2626,7 @@
           <a:spcPct val="0"/>
         </a:spcBef>
         <a:buNone/>
-        <a:defRPr sz="748" kern="1200">
+        <a:defRPr sz="616" kern="1200">
           <a:solidFill>
             <a:schemeClr val="tx1"/>
           </a:solidFill>
@@ -2637,16 +2637,16 @@
       </a:lvl1pPr>
     </p:titleStyle>
     <p:bodyStyle>
-      <a:lvl1pPr marL="38862" indent="-38862" algn="l" defTabSz="155448" rtl="0" eaLnBrk="1" latinLnBrk="0" hangingPunct="1">
+      <a:lvl1pPr marL="31981" indent="-31981" algn="l" defTabSz="127925" rtl="0" eaLnBrk="1" latinLnBrk="0" hangingPunct="1">
         <a:lnSpc>
           <a:spcPct val="90000"/>
         </a:lnSpc>
         <a:spcBef>
-          <a:spcPts val="170"/>
+          <a:spcPts val="140"/>
         </a:spcBef>
         <a:buFont typeface="Arial" panose="020B0604020202020204" pitchFamily="34" charset="0"/>
         <a:buChar char="•"/>
-        <a:defRPr sz="476" kern="1200">
+        <a:defRPr sz="392" kern="1200">
           <a:solidFill>
             <a:schemeClr val="tx1"/>
           </a:solidFill>
@@ -2655,16 +2655,16 @@
           <a:cs typeface="+mn-cs"/>
         </a:defRPr>
       </a:lvl1pPr>
-      <a:lvl2pPr marL="116586" indent="-38862" algn="l" defTabSz="155448" rtl="0" eaLnBrk="1" latinLnBrk="0" hangingPunct="1">
+      <a:lvl2pPr marL="95943" indent="-31981" algn="l" defTabSz="127925" rtl="0" eaLnBrk="1" latinLnBrk="0" hangingPunct="1">
         <a:lnSpc>
           <a:spcPct val="90000"/>
         </a:lnSpc>
         <a:spcBef>
-          <a:spcPts val="85"/>
+          <a:spcPts val="70"/>
         </a:spcBef>
         <a:buFont typeface="Arial" panose="020B0604020202020204" pitchFamily="34" charset="0"/>
         <a:buChar char="•"/>
-        <a:defRPr sz="408" kern="1200">
+        <a:defRPr sz="336" kern="1200">
           <a:solidFill>
             <a:schemeClr val="tx1"/>
           </a:solidFill>
@@ -2673,16 +2673,16 @@
           <a:cs typeface="+mn-cs"/>
         </a:defRPr>
       </a:lvl2pPr>
-      <a:lvl3pPr marL="194310" indent="-38862" algn="l" defTabSz="155448" rtl="0" eaLnBrk="1" latinLnBrk="0" hangingPunct="1">
+      <a:lvl3pPr marL="159906" indent="-31981" algn="l" defTabSz="127925" rtl="0" eaLnBrk="1" latinLnBrk="0" hangingPunct="1">
         <a:lnSpc>
           <a:spcPct val="90000"/>
         </a:lnSpc>
         <a:spcBef>
-          <a:spcPts val="85"/>
+          <a:spcPts val="70"/>
         </a:spcBef>
         <a:buFont typeface="Arial" panose="020B0604020202020204" pitchFamily="34" charset="0"/>
         <a:buChar char="•"/>
-        <a:defRPr sz="340" kern="1200">
+        <a:defRPr sz="280" kern="1200">
           <a:solidFill>
             <a:schemeClr val="tx1"/>
           </a:solidFill>
@@ -2691,16 +2691,16 @@
           <a:cs typeface="+mn-cs"/>
         </a:defRPr>
       </a:lvl3pPr>
-      <a:lvl4pPr marL="272034" indent="-38862" algn="l" defTabSz="155448" rtl="0" eaLnBrk="1" latinLnBrk="0" hangingPunct="1">
+      <a:lvl4pPr marL="223868" indent="-31981" algn="l" defTabSz="127925" rtl="0" eaLnBrk="1" latinLnBrk="0" hangingPunct="1">
         <a:lnSpc>
           <a:spcPct val="90000"/>
         </a:lnSpc>
         <a:spcBef>
-          <a:spcPts val="85"/>
+          <a:spcPts val="70"/>
         </a:spcBef>
         <a:buFont typeface="Arial" panose="020B0604020202020204" pitchFamily="34" charset="0"/>
         <a:buChar char="•"/>
-        <a:defRPr sz="306" kern="1200">
+        <a:defRPr sz="252" kern="1200">
           <a:solidFill>
             <a:schemeClr val="tx1"/>
           </a:solidFill>
@@ -2709,16 +2709,16 @@
           <a:cs typeface="+mn-cs"/>
         </a:defRPr>
       </a:lvl4pPr>
-      <a:lvl5pPr marL="349758" indent="-38862" algn="l" defTabSz="155448" rtl="0" eaLnBrk="1" latinLnBrk="0" hangingPunct="1">
+      <a:lvl5pPr marL="287830" indent="-31981" algn="l" defTabSz="127925" rtl="0" eaLnBrk="1" latinLnBrk="0" hangingPunct="1">
         <a:lnSpc>
           <a:spcPct val="90000"/>
         </a:lnSpc>
         <a:spcBef>
-          <a:spcPts val="85"/>
+          <a:spcPts val="70"/>
         </a:spcBef>
         <a:buFont typeface="Arial" panose="020B0604020202020204" pitchFamily="34" charset="0"/>
         <a:buChar char="•"/>
-        <a:defRPr sz="306" kern="1200">
+        <a:defRPr sz="252" kern="1200">
           <a:solidFill>
             <a:schemeClr val="tx1"/>
           </a:solidFill>
@@ -2727,16 +2727,16 @@
           <a:cs typeface="+mn-cs"/>
         </a:defRPr>
       </a:lvl5pPr>
-      <a:lvl6pPr marL="427482" indent="-38862" algn="l" defTabSz="155448" rtl="0" eaLnBrk="1" latinLnBrk="0" hangingPunct="1">
+      <a:lvl6pPr marL="351793" indent="-31981" algn="l" defTabSz="127925" rtl="0" eaLnBrk="1" latinLnBrk="0" hangingPunct="1">
         <a:lnSpc>
           <a:spcPct val="90000"/>
         </a:lnSpc>
         <a:spcBef>
-          <a:spcPts val="85"/>
+          <a:spcPts val="70"/>
         </a:spcBef>
         <a:buFont typeface="Arial" panose="020B0604020202020204" pitchFamily="34" charset="0"/>
         <a:buChar char="•"/>
-        <a:defRPr sz="306" kern="1200">
+        <a:defRPr sz="252" kern="1200">
           <a:solidFill>
             <a:schemeClr val="tx1"/>
           </a:solidFill>
@@ -2745,16 +2745,16 @@
           <a:cs typeface="+mn-cs"/>
         </a:defRPr>
       </a:lvl6pPr>
-      <a:lvl7pPr marL="505206" indent="-38862" algn="l" defTabSz="155448" rtl="0" eaLnBrk="1" latinLnBrk="0" hangingPunct="1">
+      <a:lvl7pPr marL="415755" indent="-31981" algn="l" defTabSz="127925" rtl="0" eaLnBrk="1" latinLnBrk="0" hangingPunct="1">
         <a:lnSpc>
           <a:spcPct val="90000"/>
         </a:lnSpc>
         <a:spcBef>
-          <a:spcPts val="85"/>
+          <a:spcPts val="70"/>
         </a:spcBef>
         <a:buFont typeface="Arial" panose="020B0604020202020204" pitchFamily="34" charset="0"/>
         <a:buChar char="•"/>
-        <a:defRPr sz="306" kern="1200">
+        <a:defRPr sz="252" kern="1200">
           <a:solidFill>
             <a:schemeClr val="tx1"/>
           </a:solidFill>
@@ -2763,16 +2763,16 @@
           <a:cs typeface="+mn-cs"/>
         </a:defRPr>
       </a:lvl7pPr>
-      <a:lvl8pPr marL="582930" indent="-38862" algn="l" defTabSz="155448" rtl="0" eaLnBrk="1" latinLnBrk="0" hangingPunct="1">
+      <a:lvl8pPr marL="479717" indent="-31981" algn="l" defTabSz="127925" rtl="0" eaLnBrk="1" latinLnBrk="0" hangingPunct="1">
         <a:lnSpc>
           <a:spcPct val="90000"/>
         </a:lnSpc>
         <a:spcBef>
-          <a:spcPts val="85"/>
+          <a:spcPts val="70"/>
         </a:spcBef>
         <a:buFont typeface="Arial" panose="020B0604020202020204" pitchFamily="34" charset="0"/>
         <a:buChar char="•"/>
-        <a:defRPr sz="306" kern="1200">
+        <a:defRPr sz="252" kern="1200">
           <a:solidFill>
             <a:schemeClr val="tx1"/>
           </a:solidFill>
@@ -2781,16 +2781,16 @@
           <a:cs typeface="+mn-cs"/>
         </a:defRPr>
       </a:lvl8pPr>
-      <a:lvl9pPr marL="660654" indent="-38862" algn="l" defTabSz="155448" rtl="0" eaLnBrk="1" latinLnBrk="0" hangingPunct="1">
+      <a:lvl9pPr marL="543679" indent="-31981" algn="l" defTabSz="127925" rtl="0" eaLnBrk="1" latinLnBrk="0" hangingPunct="1">
         <a:lnSpc>
           <a:spcPct val="90000"/>
         </a:lnSpc>
         <a:spcBef>
-          <a:spcPts val="85"/>
+          <a:spcPts val="70"/>
         </a:spcBef>
         <a:buFont typeface="Arial" panose="020B0604020202020204" pitchFamily="34" charset="0"/>
         <a:buChar char="•"/>
-        <a:defRPr sz="306" kern="1200">
+        <a:defRPr sz="252" kern="1200">
           <a:solidFill>
             <a:schemeClr val="tx1"/>
           </a:solidFill>
@@ -2804,8 +2804,8 @@
       <a:defPPr>
         <a:defRPr lang="en-US"/>
       </a:defPPr>
-      <a:lvl1pPr marL="0" algn="l" defTabSz="155448" rtl="0" eaLnBrk="1" latinLnBrk="0" hangingPunct="1">
-        <a:defRPr sz="306" kern="1200">
+      <a:lvl1pPr marL="0" algn="l" defTabSz="127925" rtl="0" eaLnBrk="1" latinLnBrk="0" hangingPunct="1">
+        <a:defRPr sz="252" kern="1200">
           <a:solidFill>
             <a:schemeClr val="tx1"/>
           </a:solidFill>
@@ -2814,8 +2814,8 @@
           <a:cs typeface="+mn-cs"/>
         </a:defRPr>
       </a:lvl1pPr>
-      <a:lvl2pPr marL="77724" algn="l" defTabSz="155448" rtl="0" eaLnBrk="1" latinLnBrk="0" hangingPunct="1">
-        <a:defRPr sz="306" kern="1200">
+      <a:lvl2pPr marL="63962" algn="l" defTabSz="127925" rtl="0" eaLnBrk="1" latinLnBrk="0" hangingPunct="1">
+        <a:defRPr sz="252" kern="1200">
           <a:solidFill>
             <a:schemeClr val="tx1"/>
           </a:solidFill>
@@ -2824,8 +2824,8 @@
           <a:cs typeface="+mn-cs"/>
         </a:defRPr>
       </a:lvl2pPr>
-      <a:lvl3pPr marL="155448" algn="l" defTabSz="155448" rtl="0" eaLnBrk="1" latinLnBrk="0" hangingPunct="1">
-        <a:defRPr sz="306" kern="1200">
+      <a:lvl3pPr marL="127925" algn="l" defTabSz="127925" rtl="0" eaLnBrk="1" latinLnBrk="0" hangingPunct="1">
+        <a:defRPr sz="252" kern="1200">
           <a:solidFill>
             <a:schemeClr val="tx1"/>
           </a:solidFill>
@@ -2834,8 +2834,8 @@
           <a:cs typeface="+mn-cs"/>
         </a:defRPr>
       </a:lvl3pPr>
-      <a:lvl4pPr marL="233172" algn="l" defTabSz="155448" rtl="0" eaLnBrk="1" latinLnBrk="0" hangingPunct="1">
-        <a:defRPr sz="306" kern="1200">
+      <a:lvl4pPr marL="191887" algn="l" defTabSz="127925" rtl="0" eaLnBrk="1" latinLnBrk="0" hangingPunct="1">
+        <a:defRPr sz="252" kern="1200">
           <a:solidFill>
             <a:schemeClr val="tx1"/>
           </a:solidFill>
@@ -2844,8 +2844,8 @@
           <a:cs typeface="+mn-cs"/>
         </a:defRPr>
       </a:lvl4pPr>
-      <a:lvl5pPr marL="310896" algn="l" defTabSz="155448" rtl="0" eaLnBrk="1" latinLnBrk="0" hangingPunct="1">
-        <a:defRPr sz="306" kern="1200">
+      <a:lvl5pPr marL="255849" algn="l" defTabSz="127925" rtl="0" eaLnBrk="1" latinLnBrk="0" hangingPunct="1">
+        <a:defRPr sz="252" kern="1200">
           <a:solidFill>
             <a:schemeClr val="tx1"/>
           </a:solidFill>
@@ -2854,8 +2854,8 @@
           <a:cs typeface="+mn-cs"/>
         </a:defRPr>
       </a:lvl5pPr>
-      <a:lvl6pPr marL="388620" algn="l" defTabSz="155448" rtl="0" eaLnBrk="1" latinLnBrk="0" hangingPunct="1">
-        <a:defRPr sz="306" kern="1200">
+      <a:lvl6pPr marL="319811" algn="l" defTabSz="127925" rtl="0" eaLnBrk="1" latinLnBrk="0" hangingPunct="1">
+        <a:defRPr sz="252" kern="1200">
           <a:solidFill>
             <a:schemeClr val="tx1"/>
           </a:solidFill>
@@ -2864,8 +2864,8 @@
           <a:cs typeface="+mn-cs"/>
         </a:defRPr>
       </a:lvl6pPr>
-      <a:lvl7pPr marL="466344" algn="l" defTabSz="155448" rtl="0" eaLnBrk="1" latinLnBrk="0" hangingPunct="1">
-        <a:defRPr sz="306" kern="1200">
+      <a:lvl7pPr marL="383774" algn="l" defTabSz="127925" rtl="0" eaLnBrk="1" latinLnBrk="0" hangingPunct="1">
+        <a:defRPr sz="252" kern="1200">
           <a:solidFill>
             <a:schemeClr val="tx1"/>
           </a:solidFill>
@@ -2874,8 +2874,8 @@
           <a:cs typeface="+mn-cs"/>
         </a:defRPr>
       </a:lvl7pPr>
-      <a:lvl8pPr marL="544068" algn="l" defTabSz="155448" rtl="0" eaLnBrk="1" latinLnBrk="0" hangingPunct="1">
-        <a:defRPr sz="306" kern="1200">
+      <a:lvl8pPr marL="447736" algn="l" defTabSz="127925" rtl="0" eaLnBrk="1" latinLnBrk="0" hangingPunct="1">
+        <a:defRPr sz="252" kern="1200">
           <a:solidFill>
             <a:schemeClr val="tx1"/>
           </a:solidFill>
@@ -2884,8 +2884,8 @@
           <a:cs typeface="+mn-cs"/>
         </a:defRPr>
       </a:lvl8pPr>
-      <a:lvl9pPr marL="621792" algn="l" defTabSz="155448" rtl="0" eaLnBrk="1" latinLnBrk="0" hangingPunct="1">
-        <a:defRPr sz="306" kern="1200">
+      <a:lvl9pPr marL="511698" algn="l" defTabSz="127925" rtl="0" eaLnBrk="1" latinLnBrk="0" hangingPunct="1">
+        <a:defRPr sz="252" kern="1200">
           <a:solidFill>
             <a:schemeClr val="tx1"/>
           </a:solidFill>
@@ -2925,14 +2925,14 @@
           <p:nvPr>
             <p:extLst>
               <p:ext uri="{D42A27DB-BD31-4B8C-83A1-F6EECF244321}">
-                <p14:modId xmlns:p14="http://schemas.microsoft.com/office/powerpoint/2010/main" val="465605213"/>
+                <p14:modId xmlns:p14="http://schemas.microsoft.com/office/powerpoint/2010/main" val="126551968"/>
               </p:ext>
             </p:extLst>
           </p:nvPr>
         </p:nvGraphicFramePr>
         <p:xfrm>
-          <a:off x="40474" y="144393"/>
-          <a:ext cx="1490670" cy="867034"/>
+          <a:off x="61905" y="153918"/>
+          <a:ext cx="1170060" cy="874782"/>
         </p:xfrm>
         <a:graphic>
           <a:graphicData uri="http://schemas.openxmlformats.org/drawingml/2006/table">
@@ -2942,7 +2942,6 @@
               </a:tblPr>
               <a:tblGrid>
                 <a:gridCol w="394977"/>
-                <a:gridCol w="320610"/>
                 <a:gridCol w="366885"/>
                 <a:gridCol w="408198"/>
               </a:tblGrid>
@@ -2953,45 +2952,6 @@
                     <a:lstStyle/>
                     <a:p>
                       <a:pPr algn="ctr"/>
-                      <a:endParaRPr lang="en-GB" sz="600" dirty="0">
-                        <a:latin typeface="Heiti SC Light" charset="-122"/>
-                        <a:ea typeface="Heiti SC Light" charset="-122"/>
-                        <a:cs typeface="Heiti SC Light" charset="-122"/>
-                      </a:endParaRPr>
-                    </a:p>
-                  </a:txBody>
-                  <a:tcPr marL="9144" marR="9144" marT="4572" marB="4572"/>
-                </a:tc>
-                <a:tc>
-                  <a:txBody>
-                    <a:bodyPr/>
-                    <a:lstStyle/>
-                    <a:p>
-                      <a:pPr algn="ctr"/>
-                      <a:r>
-                        <a:rPr lang="en-US" sz="600" dirty="0" smtClean="0">
-                          <a:latin typeface="Heiti SC Light" charset="-122"/>
-                          <a:ea typeface="Heiti SC Light" charset="-122"/>
-                          <a:cs typeface="Heiti SC Light" charset="-122"/>
-                        </a:rPr>
-                        <a:t>Latency (</a:t>
-                      </a:r>
-                      <a:r>
-                        <a:rPr lang="en-US" sz="600" dirty="0" err="1" smtClean="0">
-                          <a:latin typeface="Heiti SC Light" charset="-122"/>
-                          <a:ea typeface="Heiti SC Light" charset="-122"/>
-                          <a:cs typeface="Heiti SC Light" charset="-122"/>
-                        </a:rPr>
-                        <a:t>msec</a:t>
-                      </a:r>
-                      <a:r>
-                        <a:rPr lang="en-US" sz="600" dirty="0" smtClean="0">
-                          <a:latin typeface="Heiti SC Light" charset="-122"/>
-                          <a:ea typeface="Heiti SC Light" charset="-122"/>
-                          <a:cs typeface="Heiti SC Light" charset="-122"/>
-                        </a:rPr>
-                        <a:t>)</a:t>
-                      </a:r>
                       <a:endParaRPr lang="en-GB" sz="600" dirty="0">
                         <a:latin typeface="Heiti SC Light" charset="-122"/>
                         <a:ea typeface="Heiti SC Light" charset="-122"/>
@@ -3024,15 +2984,7 @@
                           <a:ea typeface="Heiti SC Light" charset="-122"/>
                           <a:cs typeface="Heiti SC Light" charset="-122"/>
                         </a:rPr>
-                        <a:t>Resource </a:t>
-                      </a:r>
-                      <a:r>
-                        <a:rPr lang="en-US" sz="600" dirty="0" smtClean="0">
-                          <a:latin typeface="Heiti SC Light" charset="-122"/>
-                          <a:ea typeface="Heiti SC Light" charset="-122"/>
-                          <a:cs typeface="Heiti SC Light" charset="-122"/>
-                        </a:rPr>
-                        <a:t>(%)</a:t>
+                        <a:t>Resource (%)</a:t>
                       </a:r>
                       <a:endParaRPr lang="en-GB" sz="600" dirty="0">
                         <a:latin typeface="Heiti SC Light" charset="-122"/>
@@ -3089,29 +3041,6 @@
                           <a:cs typeface="Heiti SC Light" charset="-122"/>
                         </a:rPr>
                         <a:t>Inter + Intra</a:t>
-                      </a:r>
-                      <a:endParaRPr lang="en-GB" sz="600" dirty="0">
-                        <a:latin typeface="Heiti SC Light" charset="-122"/>
-                        <a:ea typeface="Heiti SC Light" charset="-122"/>
-                        <a:cs typeface="Heiti SC Light" charset="-122"/>
-                      </a:endParaRPr>
-                    </a:p>
-                  </a:txBody>
-                  <a:tcPr marL="9144" marR="9144" marT="4572" marB="4572"/>
-                </a:tc>
-                <a:tc>
-                  <a:txBody>
-                    <a:bodyPr/>
-                    <a:lstStyle/>
-                    <a:p>
-                      <a:pPr algn="ctr"/>
-                      <a:r>
-                        <a:rPr lang="en-US" sz="600" dirty="0" smtClean="0">
-                          <a:latin typeface="Heiti SC Light" charset="-122"/>
-                          <a:ea typeface="Heiti SC Light" charset="-122"/>
-                          <a:cs typeface="Heiti SC Light" charset="-122"/>
-                        </a:rPr>
-                        <a:t>5.92</a:t>
                       </a:r>
                       <a:endParaRPr lang="en-GB" sz="600" dirty="0">
                         <a:latin typeface="Heiti SC Light" charset="-122"/>
@@ -3205,29 +3134,6 @@
                           <a:ea typeface="Heiti SC Light" charset="-122"/>
                           <a:cs typeface="Heiti SC Light" charset="-122"/>
                         </a:rPr>
-                        <a:t>5.73</a:t>
-                      </a:r>
-                      <a:endParaRPr lang="en-GB" sz="600" dirty="0">
-                        <a:latin typeface="Heiti SC Light" charset="-122"/>
-                        <a:ea typeface="Heiti SC Light" charset="-122"/>
-                        <a:cs typeface="Heiti SC Light" charset="-122"/>
-                      </a:endParaRPr>
-                    </a:p>
-                  </a:txBody>
-                  <a:tcPr marL="9144" marR="9144" marT="4572" marB="4572"/>
-                </a:tc>
-                <a:tc>
-                  <a:txBody>
-                    <a:bodyPr/>
-                    <a:lstStyle/>
-                    <a:p>
-                      <a:pPr algn="ctr"/>
-                      <a:r>
-                        <a:rPr lang="en-US" sz="600" dirty="0" smtClean="0">
-                          <a:latin typeface="Heiti SC Light" charset="-122"/>
-                          <a:ea typeface="Heiti SC Light" charset="-122"/>
-                          <a:cs typeface="Heiti SC Light" charset="-122"/>
-                        </a:rPr>
                         <a:t>23.7</a:t>
                       </a:r>
                       <a:endParaRPr lang="en-GB" sz="600" dirty="0">
@@ -3299,29 +3205,6 @@
                           <a:ea typeface="Heiti SC Light" charset="-122"/>
                           <a:cs typeface="Heiti SC Light" charset="-122"/>
                         </a:rPr>
-                        <a:t>5.5</a:t>
-                      </a:r>
-                      <a:endParaRPr lang="en-GB" sz="600" dirty="0">
-                        <a:latin typeface="Heiti SC Light" charset="-122"/>
-                        <a:ea typeface="Heiti SC Light" charset="-122"/>
-                        <a:cs typeface="Heiti SC Light" charset="-122"/>
-                      </a:endParaRPr>
-                    </a:p>
-                  </a:txBody>
-                  <a:tcPr marL="9144" marR="9144" marT="4572" marB="4572"/>
-                </a:tc>
-                <a:tc>
-                  <a:txBody>
-                    <a:bodyPr/>
-                    <a:lstStyle/>
-                    <a:p>
-                      <a:pPr algn="ctr"/>
-                      <a:r>
-                        <a:rPr lang="en-US" sz="600" dirty="0" smtClean="0">
-                          <a:latin typeface="Heiti SC Light" charset="-122"/>
-                          <a:ea typeface="Heiti SC Light" charset="-122"/>
-                          <a:cs typeface="Heiti SC Light" charset="-122"/>
-                        </a:rPr>
                         <a:t>9.25</a:t>
                       </a:r>
                       <a:endParaRPr lang="en-GB" sz="600" dirty="0">
@@ -3357,7 +3240,7 @@
                   <a:tcPr marL="9144" marR="9144" marT="4572" marB="4572"/>
                 </a:tc>
               </a:tr>
-              <a:tr h="122818">
+              <a:tr h="130566">
                 <a:tc>
                   <a:txBody>
                     <a:bodyPr/>
@@ -3379,29 +3262,6 @@
                           <a:cs typeface="Heiti SC Light" charset="-122"/>
                         </a:rPr>
                         <a:t> + RR</a:t>
-                      </a:r>
-                      <a:endParaRPr lang="en-GB" sz="600" dirty="0">
-                        <a:latin typeface="Heiti SC Light" charset="-122"/>
-                        <a:ea typeface="Heiti SC Light" charset="-122"/>
-                        <a:cs typeface="Heiti SC Light" charset="-122"/>
-                      </a:endParaRPr>
-                    </a:p>
-                  </a:txBody>
-                  <a:tcPr marL="9144" marR="9144" marT="4572" marB="4572"/>
-                </a:tc>
-                <a:tc>
-                  <a:txBody>
-                    <a:bodyPr/>
-                    <a:lstStyle/>
-                    <a:p>
-                      <a:pPr algn="ctr"/>
-                      <a:r>
-                        <a:rPr lang="en-US" sz="600" dirty="0" smtClean="0">
-                          <a:latin typeface="Heiti SC Light" charset="-122"/>
-                          <a:ea typeface="Heiti SC Light" charset="-122"/>
-                          <a:cs typeface="Heiti SC Light" charset="-122"/>
-                        </a:rPr>
-                        <a:t>5.42</a:t>
                       </a:r>
                       <a:endParaRPr lang="en-GB" sz="600" dirty="0">
                         <a:latin typeface="Heiti SC Light" charset="-122"/>
